--- a/Notes/MetaLink.pptx
+++ b/Notes/MetaLink.pptx
@@ -15,8 +15,8 @@
     <p:sldId id="1385" r:id="rId3"/>
     <p:sldId id="1386" r:id="rId4"/>
     <p:sldId id="1381" r:id="rId5"/>
-    <p:sldId id="1387" r:id="rId6"/>
-    <p:sldId id="1394" r:id="rId7"/>
+    <p:sldId id="1394" r:id="rId6"/>
+    <p:sldId id="1387" r:id="rId7"/>
     <p:sldId id="1388" r:id="rId8"/>
     <p:sldId id="1389" r:id="rId9"/>
     <p:sldId id="1392" r:id="rId10"/>
@@ -2013,7 +2013,7 @@
     </p:spTree>
     <p:extLst>
       <p:ext uri="{BB962C8B-B14F-4D97-AF65-F5344CB8AC3E}">
-        <p14:creationId xmlns:p14="http://schemas.microsoft.com/office/powerpoint/2010/main" val="3818980521"/>
+        <p14:creationId xmlns:p14="http://schemas.microsoft.com/office/powerpoint/2010/main" val="596315835"/>
       </p:ext>
     </p:extLst>
   </p:cSld>
@@ -2161,7 +2161,7 @@
     </p:spTree>
     <p:extLst>
       <p:ext uri="{BB962C8B-B14F-4D97-AF65-F5344CB8AC3E}">
-        <p14:creationId xmlns:p14="http://schemas.microsoft.com/office/powerpoint/2010/main" val="596315835"/>
+        <p14:creationId xmlns:p14="http://schemas.microsoft.com/office/powerpoint/2010/main" val="3818980521"/>
       </p:ext>
     </p:extLst>
   </p:cSld>
@@ -12833,8 +12833,275 @@
           </a:p>
         </p:txBody>
       </p:sp>
-      <mc:AlternateContent xmlns:mc="http://schemas.openxmlformats.org/markup-compatibility/2006">
-        <mc:Choice xmlns:a14="http://schemas.microsoft.com/office/drawing/2010/main" Requires="a14">
+      <p:sp>
+        <p:nvSpPr>
+          <p:cNvPr id="22" name="제목 10"/>
+          <p:cNvSpPr>
+            <a:spLocks noGrp="1"/>
+          </p:cNvSpPr>
+          <p:nvPr>
+            <p:ph type="title"/>
+          </p:nvPr>
+        </p:nvSpPr>
+        <p:spPr>
+          <a:xfrm>
+            <a:off x="527052" y="332656"/>
+            <a:ext cx="8809308" cy="537830"/>
+          </a:xfrm>
+        </p:spPr>
+        <p:txBody>
+          <a:bodyPr/>
+          <a:lstStyle/>
+          <a:p>
+            <a:r>
+              <a:rPr lang="en-US" altLang="ko-KR" dirty="0" smtClean="0">
+                <a:ea typeface="굴림" pitchFamily="34" charset="-127"/>
+              </a:rPr>
+              <a:t>2. </a:t>
+            </a:r>
+            <a:r>
+              <a:rPr lang="en-US" altLang="ko-KR" dirty="0" err="1" smtClean="0">
+                <a:ea typeface="굴림" pitchFamily="34" charset="-127"/>
+              </a:rPr>
+              <a:t>MetaLink</a:t>
+            </a:r>
+            <a:r>
+              <a:rPr lang="en-US" altLang="ko-KR" dirty="0" smtClean="0">
+                <a:ea typeface="굴림" pitchFamily="34" charset="-127"/>
+              </a:rPr>
+              <a:t>: </a:t>
+            </a:r>
+            <a:r>
+              <a:rPr lang="en-US" sz="2400" b="0" i="1" dirty="0" smtClean="0">
+                <a:effectLst/>
+              </a:rPr>
+              <a:t>Architecture</a:t>
+            </a:r>
+            <a:endParaRPr lang="ko-KR" altLang="en-US" dirty="0"/>
+          </a:p>
+        </p:txBody>
+      </p:sp>
+      <p:cxnSp>
+        <p:nvCxnSpPr>
+          <p:cNvPr id="14" name="직선 연결선 13"/>
+          <p:cNvCxnSpPr/>
+          <p:nvPr/>
+        </p:nvCxnSpPr>
+        <p:spPr bwMode="auto">
+          <a:xfrm>
+            <a:off x="6096000" y="1196752"/>
+            <a:ext cx="0" cy="5184576"/>
+          </a:xfrm>
+          <a:prstGeom prst="line">
+            <a:avLst/>
+          </a:prstGeom>
+          <a:solidFill>
+            <a:schemeClr val="accent1"/>
+          </a:solidFill>
+          <a:ln w="19050" cap="flat" cmpd="sng" algn="ctr">
+            <a:solidFill>
+              <a:schemeClr val="tx2"/>
+            </a:solidFill>
+            <a:prstDash val="solid"/>
+            <a:round/>
+            <a:headEnd type="none" w="med" len="med"/>
+            <a:tailEnd type="none" w="med" len="med"/>
+          </a:ln>
+          <a:effectLst/>
+        </p:spPr>
+      </p:cxnSp>
+      <p:pic>
+        <p:nvPicPr>
+          <p:cNvPr id="17" name="그림 16"/>
+          <p:cNvPicPr>
+            <a:picLocks noChangeAspect="1"/>
+          </p:cNvPicPr>
+          <p:nvPr/>
+        </p:nvPicPr>
+        <p:blipFill>
+          <a:blip r:embed="rId3" cstate="print">
+            <a:extLst>
+              <a:ext uri="{28A0092B-C50C-407E-A947-70E740481C1C}">
+                <a14:useLocalDpi xmlns:a14="http://schemas.microsoft.com/office/drawing/2010/main" val="0"/>
+              </a:ext>
+            </a:extLst>
+          </a:blip>
+          <a:stretch>
+            <a:fillRect/>
+          </a:stretch>
+        </p:blipFill>
+        <p:spPr>
+          <a:xfrm>
+            <a:off x="695400" y="1268760"/>
+            <a:ext cx="4438993" cy="4797152"/>
+          </a:xfrm>
+          <a:prstGeom prst="rect">
+            <a:avLst/>
+          </a:prstGeom>
+        </p:spPr>
+      </p:pic>
+      <p:pic>
+        <p:nvPicPr>
+          <p:cNvPr id="19" name="그림 18"/>
+          <p:cNvPicPr>
+            <a:picLocks noChangeAspect="1"/>
+          </p:cNvPicPr>
+          <p:nvPr/>
+        </p:nvPicPr>
+        <p:blipFill>
+          <a:blip r:embed="rId4" cstate="print">
+            <a:extLst>
+              <a:ext uri="{28A0092B-C50C-407E-A947-70E740481C1C}">
+                <a14:useLocalDpi xmlns:a14="http://schemas.microsoft.com/office/drawing/2010/main" val="0"/>
+              </a:ext>
+            </a:extLst>
+          </a:blip>
+          <a:stretch>
+            <a:fillRect/>
+          </a:stretch>
+        </p:blipFill>
+        <p:spPr>
+          <a:xfrm>
+            <a:off x="6600056" y="1268760"/>
+            <a:ext cx="4542295" cy="4869160"/>
+          </a:xfrm>
+          <a:prstGeom prst="rect">
+            <a:avLst/>
+          </a:prstGeom>
+        </p:spPr>
+      </p:pic>
+    </p:spTree>
+    <p:extLst>
+      <p:ext uri="{BB962C8B-B14F-4D97-AF65-F5344CB8AC3E}">
+        <p14:creationId xmlns:p14="http://schemas.microsoft.com/office/powerpoint/2010/main" val="2598725025"/>
+      </p:ext>
+    </p:extLst>
+  </p:cSld>
+  <p:clrMapOvr>
+    <a:masterClrMapping/>
+  </p:clrMapOvr>
+  <p:transition>
+    <p:fade/>
+  </p:transition>
+  <p:timing>
+    <p:tnLst>
+      <p:par>
+        <p:cTn id="1" dur="indefinite" restart="never" nodeType="tmRoot"/>
+      </p:par>
+    </p:tnLst>
+  </p:timing>
+</p:sld>
+</file>
+
+<file path=ppt/slides/slide6.xml><?xml version="1.0" encoding="utf-8"?>
+<p:sld xmlns:a="http://schemas.openxmlformats.org/drawingml/2006/main" xmlns:r="http://schemas.openxmlformats.org/officeDocument/2006/relationships" xmlns:p="http://schemas.openxmlformats.org/presentationml/2006/main">
+  <p:cSld>
+    <p:spTree>
+      <p:nvGrpSpPr>
+        <p:cNvPr id="1" name=""/>
+        <p:cNvGrpSpPr/>
+        <p:nvPr/>
+      </p:nvGrpSpPr>
+      <p:grpSpPr>
+        <a:xfrm>
+          <a:off x="0" y="0"/>
+          <a:ext cx="0" cy="0"/>
+          <a:chOff x="0" y="0"/>
+          <a:chExt cx="0" cy="0"/>
+        </a:xfrm>
+      </p:grpSpPr>
+      <p:sp>
+        <p:nvSpPr>
+          <p:cNvPr id="4" name="Slide Number Placeholder 3"/>
+          <p:cNvSpPr>
+            <a:spLocks noGrp="1"/>
+          </p:cNvSpPr>
+          <p:nvPr>
+            <p:ph type="sldNum" sz="quarter" idx="4"/>
+          </p:nvPr>
+        </p:nvSpPr>
+        <p:spPr>
+          <a:xfrm>
+            <a:off x="11486429" y="6626850"/>
+            <a:ext cx="730251" cy="331787"/>
+          </a:xfrm>
+        </p:spPr>
+        <p:txBody>
+          <a:bodyPr/>
+          <a:lstStyle/>
+          <a:p>
+            <a:pPr marL="0" marR="0" lvl="0" indent="0" algn="ctr" defTabSz="914400" rtl="0" eaLnBrk="1" fontAlgn="base" latinLnBrk="0" hangingPunct="1">
+              <a:lnSpc>
+                <a:spcPct val="100000"/>
+              </a:lnSpc>
+              <a:spcBef>
+                <a:spcPct val="0"/>
+              </a:spcBef>
+              <a:spcAft>
+                <a:spcPct val="0"/>
+              </a:spcAft>
+              <a:buClrTx/>
+              <a:buSzTx/>
+              <a:buFontTx/>
+              <a:buNone/>
+              <a:tabLst/>
+              <a:defRPr/>
+            </a:pPr>
+            <a:fld id="{5B0B1232-FD83-41E3-BF8E-DEF9EFD61675}" type="slidenum">
+              <a:rPr kumimoji="0" lang="ko-KR" altLang="en-US" sz="1200" b="0" i="0" u="none" strike="noStrike" kern="1200" cap="none" spc="0" normalizeH="0" baseline="0" noProof="0" smtClean="0">
+                <a:ln>
+                  <a:noFill/>
+                </a:ln>
+                <a:effectLst>
+                  <a:outerShdw blurRad="38100" dist="38100" dir="2700000" algn="tl">
+                    <a:srgbClr val="C0C0C0"/>
+                  </a:outerShdw>
+                </a:effectLst>
+                <a:uLnTx/>
+                <a:uFillTx/>
+                <a:latin typeface="Arial" panose="020B0604020202020204" pitchFamily="34" charset="0"/>
+                <a:ea typeface="굴림" pitchFamily="34" charset="-127"/>
+                <a:cs typeface="Arial" panose="020B0604020202020204" pitchFamily="34" charset="0"/>
+              </a:rPr>
+              <a:pPr marL="0" marR="0" lvl="0" indent="0" algn="ctr" defTabSz="914400" rtl="0" eaLnBrk="1" fontAlgn="base" latinLnBrk="0" hangingPunct="1">
+                <a:lnSpc>
+                  <a:spcPct val="100000"/>
+                </a:lnSpc>
+                <a:spcBef>
+                  <a:spcPct val="0"/>
+                </a:spcBef>
+                <a:spcAft>
+                  <a:spcPct val="0"/>
+                </a:spcAft>
+                <a:buClrTx/>
+                <a:buSzTx/>
+                <a:buFontTx/>
+                <a:buNone/>
+                <a:tabLst/>
+                <a:defRPr/>
+              </a:pPr>
+              <a:t>6</a:t>
+            </a:fld>
+            <a:endParaRPr kumimoji="0" lang="en-US" altLang="ko-KR" sz="1200" b="0" i="0" u="none" strike="noStrike" kern="1200" cap="none" spc="0" normalizeH="0" baseline="0" noProof="0" dirty="0">
+              <a:ln>
+                <a:noFill/>
+              </a:ln>
+              <a:effectLst>
+                <a:outerShdw blurRad="38100" dist="38100" dir="2700000" algn="tl">
+                  <a:srgbClr val="C0C0C0"/>
+                </a:outerShdw>
+              </a:effectLst>
+              <a:uLnTx/>
+              <a:uFillTx/>
+              <a:latin typeface="Arial" panose="020B0604020202020204" pitchFamily="34" charset="0"/>
+              <a:ea typeface="굴림" pitchFamily="34" charset="-127"/>
+              <a:cs typeface="Arial" panose="020B0604020202020204" pitchFamily="34" charset="0"/>
+            </a:endParaRPr>
+          </a:p>
+        </p:txBody>
+      </p:sp>
+      <mc:AlternateContent xmlns:mc="http://schemas.openxmlformats.org/markup-compatibility/2006" xmlns:a14="http://schemas.microsoft.com/office/drawing/2010/main">
+        <mc:Choice Requires="a14">
           <p:sp>
             <p:nvSpPr>
               <p:cNvPr id="18" name="직사각형 17"/>
@@ -13164,23 +13431,7 @@
                       <a:schemeClr val="tx2"/>
                     </a:solidFill>
                   </a:rPr>
-                  <a:t> if </a:t>
-                </a:r>
-                <a:r>
-                  <a:rPr lang="en-US" sz="1400" b="0" dirty="0" smtClean="0">
-                    <a:solidFill>
-                      <a:schemeClr val="tx2"/>
-                    </a:solidFill>
-                  </a:rPr>
-                  <a:t>not meta </a:t>
-                </a:r>
-                <a:r>
-                  <a:rPr lang="en-US" sz="1400" b="0" dirty="0" smtClean="0">
-                    <a:solidFill>
-                      <a:schemeClr val="tx2"/>
-                    </a:solidFill>
-                  </a:rPr>
-                  <a:t>task.</a:t>
+                  <a:t> if not meta task.</a:t>
                 </a:r>
               </a:p>
               <a:p>
@@ -13269,23 +13520,7 @@
                       <a:schemeClr val="tx2"/>
                     </a:solidFill>
                   </a:rPr>
-                  <a:t> if </a:t>
-                </a:r>
-                <a:r>
-                  <a:rPr lang="en-US" sz="1400" b="0" dirty="0" smtClean="0">
-                    <a:solidFill>
-                      <a:schemeClr val="tx2"/>
-                    </a:solidFill>
-                  </a:rPr>
-                  <a:t>meta </a:t>
-                </a:r>
-                <a:r>
-                  <a:rPr lang="en-US" sz="1400" b="0" dirty="0" smtClean="0">
-                    <a:solidFill>
-                      <a:schemeClr val="tx2"/>
-                    </a:solidFill>
-                  </a:rPr>
-                  <a:t>task.</a:t>
+                  <a:t> if meta task.</a:t>
                 </a:r>
               </a:p>
               <a:p>
@@ -13486,7 +13721,7 @@
             </p:txBody>
           </p:sp>
         </mc:Choice>
-        <mc:Fallback>
+        <mc:Fallback xmlns="">
           <p:sp>
             <p:nvSpPr>
               <p:cNvPr id="18" name="직사각형 17"/>
@@ -13554,7 +13789,13 @@
               <a:rPr lang="en-US" altLang="ko-KR" dirty="0" smtClean="0">
                 <a:ea typeface="굴림" pitchFamily="34" charset="-127"/>
               </a:rPr>
-              <a:t>2. </a:t>
+              <a:t>2</a:t>
+            </a:r>
+            <a:r>
+              <a:rPr lang="en-US" altLang="ko-KR" dirty="0" smtClean="0">
+                <a:ea typeface="굴림" pitchFamily="34" charset="-127"/>
+              </a:rPr>
+              <a:t>. </a:t>
             </a:r>
             <a:r>
               <a:rPr lang="en-US" altLang="ko-KR" dirty="0" err="1" smtClean="0">
@@ -13582,273 +13823,6 @@
     <p:extLst>
       <p:ext uri="{BB962C8B-B14F-4D97-AF65-F5344CB8AC3E}">
         <p14:creationId xmlns:p14="http://schemas.microsoft.com/office/powerpoint/2010/main" val="3364465461"/>
-      </p:ext>
-    </p:extLst>
-  </p:cSld>
-  <p:clrMapOvr>
-    <a:masterClrMapping/>
-  </p:clrMapOvr>
-  <p:transition>
-    <p:fade/>
-  </p:transition>
-  <p:timing>
-    <p:tnLst>
-      <p:par>
-        <p:cTn id="1" dur="indefinite" restart="never" nodeType="tmRoot"/>
-      </p:par>
-    </p:tnLst>
-  </p:timing>
-</p:sld>
-</file>
-
-<file path=ppt/slides/slide6.xml><?xml version="1.0" encoding="utf-8"?>
-<p:sld xmlns:a="http://schemas.openxmlformats.org/drawingml/2006/main" xmlns:r="http://schemas.openxmlformats.org/officeDocument/2006/relationships" xmlns:p="http://schemas.openxmlformats.org/presentationml/2006/main">
-  <p:cSld>
-    <p:spTree>
-      <p:nvGrpSpPr>
-        <p:cNvPr id="1" name=""/>
-        <p:cNvGrpSpPr/>
-        <p:nvPr/>
-      </p:nvGrpSpPr>
-      <p:grpSpPr>
-        <a:xfrm>
-          <a:off x="0" y="0"/>
-          <a:ext cx="0" cy="0"/>
-          <a:chOff x="0" y="0"/>
-          <a:chExt cx="0" cy="0"/>
-        </a:xfrm>
-      </p:grpSpPr>
-      <p:sp>
-        <p:nvSpPr>
-          <p:cNvPr id="4" name="Slide Number Placeholder 3"/>
-          <p:cNvSpPr>
-            <a:spLocks noGrp="1"/>
-          </p:cNvSpPr>
-          <p:nvPr>
-            <p:ph type="sldNum" sz="quarter" idx="4"/>
-          </p:nvPr>
-        </p:nvSpPr>
-        <p:spPr>
-          <a:xfrm>
-            <a:off x="11486429" y="6626850"/>
-            <a:ext cx="730251" cy="331787"/>
-          </a:xfrm>
-        </p:spPr>
-        <p:txBody>
-          <a:bodyPr/>
-          <a:lstStyle/>
-          <a:p>
-            <a:pPr marL="0" marR="0" lvl="0" indent="0" algn="ctr" defTabSz="914400" rtl="0" eaLnBrk="1" fontAlgn="base" latinLnBrk="0" hangingPunct="1">
-              <a:lnSpc>
-                <a:spcPct val="100000"/>
-              </a:lnSpc>
-              <a:spcBef>
-                <a:spcPct val="0"/>
-              </a:spcBef>
-              <a:spcAft>
-                <a:spcPct val="0"/>
-              </a:spcAft>
-              <a:buClrTx/>
-              <a:buSzTx/>
-              <a:buFontTx/>
-              <a:buNone/>
-              <a:tabLst/>
-              <a:defRPr/>
-            </a:pPr>
-            <a:fld id="{5B0B1232-FD83-41E3-BF8E-DEF9EFD61675}" type="slidenum">
-              <a:rPr kumimoji="0" lang="ko-KR" altLang="en-US" sz="1200" b="0" i="0" u="none" strike="noStrike" kern="1200" cap="none" spc="0" normalizeH="0" baseline="0" noProof="0" smtClean="0">
-                <a:ln>
-                  <a:noFill/>
-                </a:ln>
-                <a:effectLst>
-                  <a:outerShdw blurRad="38100" dist="38100" dir="2700000" algn="tl">
-                    <a:srgbClr val="C0C0C0"/>
-                  </a:outerShdw>
-                </a:effectLst>
-                <a:uLnTx/>
-                <a:uFillTx/>
-                <a:latin typeface="Arial" panose="020B0604020202020204" pitchFamily="34" charset="0"/>
-                <a:ea typeface="굴림" pitchFamily="34" charset="-127"/>
-                <a:cs typeface="Arial" panose="020B0604020202020204" pitchFamily="34" charset="0"/>
-              </a:rPr>
-              <a:pPr marL="0" marR="0" lvl="0" indent="0" algn="ctr" defTabSz="914400" rtl="0" eaLnBrk="1" fontAlgn="base" latinLnBrk="0" hangingPunct="1">
-                <a:lnSpc>
-                  <a:spcPct val="100000"/>
-                </a:lnSpc>
-                <a:spcBef>
-                  <a:spcPct val="0"/>
-                </a:spcBef>
-                <a:spcAft>
-                  <a:spcPct val="0"/>
-                </a:spcAft>
-                <a:buClrTx/>
-                <a:buSzTx/>
-                <a:buFontTx/>
-                <a:buNone/>
-                <a:tabLst/>
-                <a:defRPr/>
-              </a:pPr>
-              <a:t>6</a:t>
-            </a:fld>
-            <a:endParaRPr kumimoji="0" lang="en-US" altLang="ko-KR" sz="1200" b="0" i="0" u="none" strike="noStrike" kern="1200" cap="none" spc="0" normalizeH="0" baseline="0" noProof="0" dirty="0">
-              <a:ln>
-                <a:noFill/>
-              </a:ln>
-              <a:effectLst>
-                <a:outerShdw blurRad="38100" dist="38100" dir="2700000" algn="tl">
-                  <a:srgbClr val="C0C0C0"/>
-                </a:outerShdw>
-              </a:effectLst>
-              <a:uLnTx/>
-              <a:uFillTx/>
-              <a:latin typeface="Arial" panose="020B0604020202020204" pitchFamily="34" charset="0"/>
-              <a:ea typeface="굴림" pitchFamily="34" charset="-127"/>
-              <a:cs typeface="Arial" panose="020B0604020202020204" pitchFamily="34" charset="0"/>
-            </a:endParaRPr>
-          </a:p>
-        </p:txBody>
-      </p:sp>
-      <p:sp>
-        <p:nvSpPr>
-          <p:cNvPr id="22" name="제목 10"/>
-          <p:cNvSpPr>
-            <a:spLocks noGrp="1"/>
-          </p:cNvSpPr>
-          <p:nvPr>
-            <p:ph type="title"/>
-          </p:nvPr>
-        </p:nvSpPr>
-        <p:spPr>
-          <a:xfrm>
-            <a:off x="527052" y="332656"/>
-            <a:ext cx="8809308" cy="537830"/>
-          </a:xfrm>
-        </p:spPr>
-        <p:txBody>
-          <a:bodyPr/>
-          <a:lstStyle/>
-          <a:p>
-            <a:r>
-              <a:rPr lang="en-US" altLang="ko-KR" dirty="0" smtClean="0">
-                <a:ea typeface="굴림" pitchFamily="34" charset="-127"/>
-              </a:rPr>
-              <a:t>3. GNN-</a:t>
-            </a:r>
-            <a:r>
-              <a:rPr lang="en-US" altLang="ko-KR" dirty="0" err="1" smtClean="0">
-                <a:ea typeface="굴림" pitchFamily="34" charset="-127"/>
-              </a:rPr>
-              <a:t>MetaLink</a:t>
-            </a:r>
-            <a:r>
-              <a:rPr lang="en-US" altLang="ko-KR" dirty="0" smtClean="0">
-                <a:ea typeface="굴림" pitchFamily="34" charset="-127"/>
-              </a:rPr>
-              <a:t>: </a:t>
-            </a:r>
-            <a:r>
-              <a:rPr lang="en-US" sz="2400" b="0" i="1" dirty="0" smtClean="0">
-                <a:effectLst/>
-              </a:rPr>
-              <a:t>Architecture</a:t>
-            </a:r>
-            <a:endParaRPr lang="ko-KR" altLang="en-US" dirty="0"/>
-          </a:p>
-        </p:txBody>
-      </p:sp>
-      <p:cxnSp>
-        <p:nvCxnSpPr>
-          <p:cNvPr id="14" name="직선 연결선 13"/>
-          <p:cNvCxnSpPr/>
-          <p:nvPr/>
-        </p:nvCxnSpPr>
-        <p:spPr bwMode="auto">
-          <a:xfrm>
-            <a:off x="6096000" y="1196752"/>
-            <a:ext cx="0" cy="5184576"/>
-          </a:xfrm>
-          <a:prstGeom prst="line">
-            <a:avLst/>
-          </a:prstGeom>
-          <a:solidFill>
-            <a:schemeClr val="accent1"/>
-          </a:solidFill>
-          <a:ln w="19050" cap="flat" cmpd="sng" algn="ctr">
-            <a:solidFill>
-              <a:schemeClr val="tx2"/>
-            </a:solidFill>
-            <a:prstDash val="solid"/>
-            <a:round/>
-            <a:headEnd type="none" w="med" len="med"/>
-            <a:tailEnd type="none" w="med" len="med"/>
-          </a:ln>
-          <a:effectLst/>
-        </p:spPr>
-      </p:cxnSp>
-      <p:pic>
-        <p:nvPicPr>
-          <p:cNvPr id="17" name="그림 16"/>
-          <p:cNvPicPr>
-            <a:picLocks noChangeAspect="1"/>
-          </p:cNvPicPr>
-          <p:nvPr/>
-        </p:nvPicPr>
-        <p:blipFill>
-          <a:blip r:embed="rId3" cstate="print">
-            <a:extLst>
-              <a:ext uri="{28A0092B-C50C-407E-A947-70E740481C1C}">
-                <a14:useLocalDpi xmlns:a14="http://schemas.microsoft.com/office/drawing/2010/main" val="0"/>
-              </a:ext>
-            </a:extLst>
-          </a:blip>
-          <a:stretch>
-            <a:fillRect/>
-          </a:stretch>
-        </p:blipFill>
-        <p:spPr>
-          <a:xfrm>
-            <a:off x="695400" y="1268760"/>
-            <a:ext cx="4438993" cy="4797152"/>
-          </a:xfrm>
-          <a:prstGeom prst="rect">
-            <a:avLst/>
-          </a:prstGeom>
-        </p:spPr>
-      </p:pic>
-      <p:pic>
-        <p:nvPicPr>
-          <p:cNvPr id="19" name="그림 18"/>
-          <p:cNvPicPr>
-            <a:picLocks noChangeAspect="1"/>
-          </p:cNvPicPr>
-          <p:nvPr/>
-        </p:nvPicPr>
-        <p:blipFill>
-          <a:blip r:embed="rId4" cstate="print">
-            <a:extLst>
-              <a:ext uri="{28A0092B-C50C-407E-A947-70E740481C1C}">
-                <a14:useLocalDpi xmlns:a14="http://schemas.microsoft.com/office/drawing/2010/main" val="0"/>
-              </a:ext>
-            </a:extLst>
-          </a:blip>
-          <a:stretch>
-            <a:fillRect/>
-          </a:stretch>
-        </p:blipFill>
-        <p:spPr>
-          <a:xfrm>
-            <a:off x="6600056" y="1268760"/>
-            <a:ext cx="4542295" cy="4869160"/>
-          </a:xfrm>
-          <a:prstGeom prst="rect">
-            <a:avLst/>
-          </a:prstGeom>
-        </p:spPr>
-      </p:pic>
-    </p:spTree>
-    <p:extLst>
-      <p:ext uri="{BB962C8B-B14F-4D97-AF65-F5344CB8AC3E}">
-        <p14:creationId xmlns:p14="http://schemas.microsoft.com/office/powerpoint/2010/main" val="2598725025"/>
       </p:ext>
     </p:extLst>
   </p:cSld>
@@ -16255,8 +16229,8 @@
           </a:p>
         </p:txBody>
       </p:sp>
-      <mc:AlternateContent xmlns:mc="http://schemas.openxmlformats.org/markup-compatibility/2006">
-        <mc:Choice xmlns:a14="http://schemas.microsoft.com/office/drawing/2010/main" Requires="a14">
+      <mc:AlternateContent xmlns:mc="http://schemas.openxmlformats.org/markup-compatibility/2006" xmlns:a14="http://schemas.microsoft.com/office/drawing/2010/main">
+        <mc:Choice Requires="a14">
           <p:sp>
             <p:nvSpPr>
               <p:cNvPr id="5" name="직사각형 17"/>
@@ -16633,7 +16607,7 @@
             </p:txBody>
           </p:sp>
         </mc:Choice>
-        <mc:Fallback>
+        <mc:Fallback xmlns="">
           <p:sp>
             <p:nvSpPr>
               <p:cNvPr id="5" name="직사각형 17"/>
@@ -17137,13 +17111,7 @@
               <a:rPr lang="en-US" sz="2400" b="0" i="1" dirty="0" smtClean="0">
                 <a:effectLst/>
               </a:rPr>
-              <a:t>Relational Training </a:t>
-            </a:r>
-            <a:r>
-              <a:rPr lang="en-US" sz="2400" b="0" i="1" dirty="0" smtClean="0">
-                <a:effectLst/>
-              </a:rPr>
-              <a:t>Process</a:t>
+              <a:t>Relational Training Process</a:t>
             </a:r>
             <a:endParaRPr lang="ko-KR" altLang="en-US" sz="2400" b="0" i="1" dirty="0">
               <a:effectLst/>
